--- a/DIARIO DI BORDO/DB-27-10-25.pptx
+++ b/DIARIO DI BORDO/DB-27-10-25.pptx
@@ -23,26 +23,29 @@
     <p:embeddedFont>
       <p:font typeface="Montserrat" panose="00000500000000000000" pitchFamily="2" charset="0"/>
       <p:regular r:id="rId8"/>
+      <p:bold r:id="rId9"/>
+      <p:italic r:id="rId10"/>
+      <p:boldItalic r:id="rId11"/>
     </p:embeddedFont>
     <p:embeddedFont>
       <p:font typeface="Montserrat Bold Italics" panose="020B0604020202020204" charset="0"/>
-      <p:regular r:id="rId9"/>
+      <p:regular r:id="rId12"/>
     </p:embeddedFont>
     <p:embeddedFont>
       <p:font typeface="Neue Montreal" panose="020B0604020202020204" charset="0"/>
-      <p:regular r:id="rId10"/>
+      <p:regular r:id="rId13"/>
     </p:embeddedFont>
     <p:embeddedFont>
       <p:font typeface="Neue Montreal Bold" panose="020B0604020202020204" charset="0"/>
-      <p:regular r:id="rId11"/>
+      <p:regular r:id="rId14"/>
     </p:embeddedFont>
     <p:embeddedFont>
       <p:font typeface="Overpass" panose="020B0604020202020204" charset="0"/>
-      <p:regular r:id="rId12"/>
+      <p:regular r:id="rId15"/>
     </p:embeddedFont>
     <p:embeddedFont>
       <p:font typeface="Tenor Sans" panose="020B0604020202020204" charset="0"/>
-      <p:regular r:id="rId13"/>
+      <p:regular r:id="rId16"/>
     </p:embeddedFont>
   </p:embeddedFontLst>
   <p:defaultTextStyle>
@@ -241,7 +244,7 @@
           <a:p>
             <a:fld id="{DC233B30-4F8C-4A4C-AB5E-3B02323E36F5}" type="datetimeFigureOut">
               <a:rPr lang="it-IT" smtClean="0"/>
-              <a:t>27/10/2025</a:t>
+              <a:t>14/11/2025</a:t>
             </a:fld>
             <a:endParaRPr lang="it-IT"/>
           </a:p>
@@ -772,7 +775,7 @@
             <a:fld id="{1D8BD707-D9CF-40AE-B4C6-C98DA3205C09}" type="datetimeFigureOut">
               <a:rPr lang="en-US" smtClean="0"/>
               <a:pPr/>
-              <a:t>10/27/2025</a:t>
+              <a:t>11/14/2025</a:t>
             </a:fld>
             <a:endParaRPr lang="en-US"/>
           </a:p>
@@ -937,7 +940,7 @@
             <a:fld id="{1D8BD707-D9CF-40AE-B4C6-C98DA3205C09}" type="datetimeFigureOut">
               <a:rPr lang="en-US" smtClean="0"/>
               <a:pPr/>
-              <a:t>10/27/2025</a:t>
+              <a:t>11/14/2025</a:t>
             </a:fld>
             <a:endParaRPr lang="en-US"/>
           </a:p>
@@ -1112,7 +1115,7 @@
             <a:fld id="{1D8BD707-D9CF-40AE-B4C6-C98DA3205C09}" type="datetimeFigureOut">
               <a:rPr lang="en-US" smtClean="0"/>
               <a:pPr/>
-              <a:t>10/27/2025</a:t>
+              <a:t>11/14/2025</a:t>
             </a:fld>
             <a:endParaRPr lang="en-US"/>
           </a:p>
@@ -1277,7 +1280,7 @@
             <a:fld id="{1D8BD707-D9CF-40AE-B4C6-C98DA3205C09}" type="datetimeFigureOut">
               <a:rPr lang="en-US" smtClean="0"/>
               <a:pPr/>
-              <a:t>10/27/2025</a:t>
+              <a:t>11/14/2025</a:t>
             </a:fld>
             <a:endParaRPr lang="en-US"/>
           </a:p>
@@ -1519,7 +1522,7 @@
             <a:fld id="{1D8BD707-D9CF-40AE-B4C6-C98DA3205C09}" type="datetimeFigureOut">
               <a:rPr lang="en-US" smtClean="0"/>
               <a:pPr/>
-              <a:t>10/27/2025</a:t>
+              <a:t>11/14/2025</a:t>
             </a:fld>
             <a:endParaRPr lang="en-US"/>
           </a:p>
@@ -1801,7 +1804,7 @@
             <a:fld id="{1D8BD707-D9CF-40AE-B4C6-C98DA3205C09}" type="datetimeFigureOut">
               <a:rPr lang="en-US" smtClean="0"/>
               <a:pPr/>
-              <a:t>10/27/2025</a:t>
+              <a:t>11/14/2025</a:t>
             </a:fld>
             <a:endParaRPr lang="en-US"/>
           </a:p>
@@ -2217,7 +2220,7 @@
             <a:fld id="{1D8BD707-D9CF-40AE-B4C6-C98DA3205C09}" type="datetimeFigureOut">
               <a:rPr lang="en-US" smtClean="0"/>
               <a:pPr/>
-              <a:t>10/27/2025</a:t>
+              <a:t>11/14/2025</a:t>
             </a:fld>
             <a:endParaRPr lang="en-US"/>
           </a:p>
@@ -2331,7 +2334,7 @@
             <a:fld id="{1D8BD707-D9CF-40AE-B4C6-C98DA3205C09}" type="datetimeFigureOut">
               <a:rPr lang="en-US" smtClean="0"/>
               <a:pPr/>
-              <a:t>10/27/2025</a:t>
+              <a:t>11/14/2025</a:t>
             </a:fld>
             <a:endParaRPr lang="en-US"/>
           </a:p>
@@ -2423,7 +2426,7 @@
             <a:fld id="{1D8BD707-D9CF-40AE-B4C6-C98DA3205C09}" type="datetimeFigureOut">
               <a:rPr lang="en-US" smtClean="0"/>
               <a:pPr/>
-              <a:t>10/27/2025</a:t>
+              <a:t>11/14/2025</a:t>
             </a:fld>
             <a:endParaRPr lang="en-US"/>
           </a:p>
@@ -2695,7 +2698,7 @@
             <a:fld id="{1D8BD707-D9CF-40AE-B4C6-C98DA3205C09}" type="datetimeFigureOut">
               <a:rPr lang="en-US" smtClean="0"/>
               <a:pPr/>
-              <a:t>10/27/2025</a:t>
+              <a:t>11/14/2025</a:t>
             </a:fld>
             <a:endParaRPr lang="en-US"/>
           </a:p>
@@ -2944,7 +2947,7 @@
             <a:fld id="{1D8BD707-D9CF-40AE-B4C6-C98DA3205C09}" type="datetimeFigureOut">
               <a:rPr lang="en-US" smtClean="0"/>
               <a:pPr/>
-              <a:t>10/27/2025</a:t>
+              <a:t>11/14/2025</a:t>
             </a:fld>
             <a:endParaRPr lang="en-US"/>
           </a:p>
@@ -3152,7 +3155,7 @@
             <a:fld id="{1D8BD707-D9CF-40AE-B4C6-C98DA3205C09}" type="datetimeFigureOut">
               <a:rPr lang="en-US" smtClean="0"/>
               <a:pPr/>
-              <a:t>10/27/2025</a:t>
+              <a:t>11/14/2025</a:t>
             </a:fld>
             <a:endParaRPr lang="en-US"/>
           </a:p>
@@ -4435,6 +4438,18 @@
                 </a:lnSpc>
               </a:pPr>
               <a:r>
+                <a:rPr lang="it-IT" sz="12000" b="1" noProof="0">
+                  <a:solidFill>
+                    <a:srgbClr val="000000"/>
+                  </a:solidFill>
+                  <a:latin typeface="Goudy" panose="020B0604020202020204" charset="0"/>
+                  <a:ea typeface="Fredoka"/>
+                  <a:cs typeface="Fredoka"/>
+                  <a:sym typeface="Fredoka"/>
+                </a:rPr>
+                <a:t>ATTIVITÀ </a:t>
+              </a:r>
+              <a:r>
                 <a:rPr lang="it-IT" sz="12000" b="1" noProof="0" dirty="0">
                   <a:solidFill>
                     <a:srgbClr val="000000"/>
@@ -4444,7 +4459,7 @@
                   <a:cs typeface="Fredoka"/>
                   <a:sym typeface="Fredoka"/>
                 </a:rPr>
-                <a:t>ATTIVITÀ SVOLTE</a:t>
+                <a:t>SVOLTE</a:t>
               </a:r>
             </a:p>
           </p:txBody>
